--- a/225_프로젝트를 다룬다면 Git.pptx
+++ b/225_프로젝트를 다룬다면 Git.pptx
@@ -5,7 +5,7 @@
     <p:sldMasterId id="2147483748" r:id="rId1"/>
   </p:sldMasterIdLst>
   <p:notesMasterIdLst>
-    <p:notesMasterId r:id="rId8"/>
+    <p:notesMasterId r:id="rId9"/>
   </p:notesMasterIdLst>
   <p:sldIdLst>
     <p:sldId id="257" r:id="rId2"/>
@@ -14,6 +14,7 @@
     <p:sldId id="260" r:id="rId5"/>
     <p:sldId id="261" r:id="rId6"/>
     <p:sldId id="262" r:id="rId7"/>
+    <p:sldId id="263" r:id="rId8"/>
   </p:sldIdLst>
   <p:sldSz cx="12192000" cy="6858000"/>
   <p:notesSz cx="6888163" cy="10018713"/>
@@ -123,6 +124,7 @@
             <p14:sldId id="260"/>
             <p14:sldId id="261"/>
             <p14:sldId id="262"/>
+            <p14:sldId id="263"/>
           </p14:sldIdLst>
         </p14:section>
       </p14:sectionLst>
@@ -235,7 +237,7 @@
           <a:p>
             <a:fld id="{5979714D-9CC7-4CA6-A51A-B3616A2DFA7A}" type="datetimeFigureOut">
               <a:rPr lang="en-US" smtClean="0"/>
-              <a:t>7/1/2021</a:t>
+              <a:t>7/2/2021</a:t>
             </a:fld>
             <a:endParaRPr lang="en-US"/>
           </a:p>
@@ -687,7 +689,7 @@
           <a:p>
             <a:fld id="{322DF815-663B-45F9-83B5-A95D0FB1F6ED}" type="datetimeFigureOut">
               <a:rPr lang="ko-KR" altLang="en-US" smtClean="0"/>
-              <a:t>2021-07-01</a:t>
+              <a:t>2021-07-02</a:t>
             </a:fld>
             <a:endParaRPr lang="ko-KR" altLang="en-US"/>
           </a:p>
@@ -1047,7 +1049,7 @@
           <a:p>
             <a:fld id="{322DF815-663B-45F9-83B5-A95D0FB1F6ED}" type="datetimeFigureOut">
               <a:rPr lang="ko-KR" altLang="en-US" smtClean="0"/>
-              <a:t>2021-07-01</a:t>
+              <a:t>2021-07-02</a:t>
             </a:fld>
             <a:endParaRPr lang="ko-KR" altLang="en-US"/>
           </a:p>
@@ -1303,7 +1305,7 @@
           <a:p>
             <a:fld id="{322DF815-663B-45F9-83B5-A95D0FB1F6ED}" type="datetimeFigureOut">
               <a:rPr lang="ko-KR" altLang="en-US" smtClean="0"/>
-              <a:t>2021-07-01</a:t>
+              <a:t>2021-07-02</a:t>
             </a:fld>
             <a:endParaRPr lang="ko-KR" altLang="en-US"/>
           </a:p>
@@ -6535,6 +6537,161 @@
 </p:sld>
 </file>
 
+<file path=ppt/slides/slide7.xml><?xml version="1.0" encoding="utf-8"?>
+<p:sld xmlns:a="http://schemas.openxmlformats.org/drawingml/2006/main" xmlns:r="http://schemas.openxmlformats.org/officeDocument/2006/relationships" xmlns:p="http://schemas.openxmlformats.org/presentationml/2006/main">
+  <p:cSld>
+    <p:spTree>
+      <p:nvGrpSpPr>
+        <p:cNvPr id="1" name=""/>
+        <p:cNvGrpSpPr/>
+        <p:nvPr/>
+      </p:nvGrpSpPr>
+      <p:grpSpPr>
+        <a:xfrm>
+          <a:off x="0" y="0"/>
+          <a:ext cx="0" cy="0"/>
+          <a:chOff x="0" y="0"/>
+          <a:chExt cx="0" cy="0"/>
+        </a:xfrm>
+      </p:grpSpPr>
+      <p:sp>
+        <p:nvSpPr>
+          <p:cNvPr id="2" name="제목 1">
+            <a:extLst>
+              <a:ext uri="{FF2B5EF4-FFF2-40B4-BE49-F238E27FC236}">
+                <a16:creationId xmlns:a16="http://schemas.microsoft.com/office/drawing/2014/main" id="{20BAC622-4EEB-4098-BBF6-4AFE78A67177}"/>
+              </a:ext>
+            </a:extLst>
+          </p:cNvPr>
+          <p:cNvSpPr>
+            <a:spLocks noGrp="1"/>
+          </p:cNvSpPr>
+          <p:nvPr>
+            <p:ph type="title"/>
+          </p:nvPr>
+        </p:nvSpPr>
+        <p:spPr/>
+        <p:txBody>
+          <a:bodyPr/>
+          <a:lstStyle/>
+          <a:p>
+            <a:endParaRPr lang="ko-KR" altLang="en-US"/>
+          </a:p>
+        </p:txBody>
+      </p:sp>
+      <p:sp>
+        <p:nvSpPr>
+          <p:cNvPr id="3" name="텍스트 개체 틀 2">
+            <a:extLst>
+              <a:ext uri="{FF2B5EF4-FFF2-40B4-BE49-F238E27FC236}">
+                <a16:creationId xmlns:a16="http://schemas.microsoft.com/office/drawing/2014/main" id="{58664FBE-42D4-4CA2-8F6E-8D0B7A9643FC}"/>
+              </a:ext>
+            </a:extLst>
+          </p:cNvPr>
+          <p:cNvSpPr>
+            <a:spLocks noGrp="1"/>
+          </p:cNvSpPr>
+          <p:nvPr>
+            <p:ph type="body" sz="quarter" idx="13"/>
+          </p:nvPr>
+        </p:nvSpPr>
+        <p:spPr/>
+        <p:txBody>
+          <a:bodyPr/>
+          <a:lstStyle/>
+          <a:p>
+            <a:endParaRPr lang="ko-KR" altLang="en-US"/>
+          </a:p>
+        </p:txBody>
+      </p:sp>
+      <p:sp>
+        <p:nvSpPr>
+          <p:cNvPr id="4" name="텍스트 개체 틀 3">
+            <a:extLst>
+              <a:ext uri="{FF2B5EF4-FFF2-40B4-BE49-F238E27FC236}">
+                <a16:creationId xmlns:a16="http://schemas.microsoft.com/office/drawing/2014/main" id="{43C25182-58D7-4C0B-B44B-B18C4829EFD5}"/>
+              </a:ext>
+            </a:extLst>
+          </p:cNvPr>
+          <p:cNvSpPr>
+            <a:spLocks noGrp="1"/>
+          </p:cNvSpPr>
+          <p:nvPr>
+            <p:ph type="body" sz="quarter" idx="14"/>
+          </p:nvPr>
+        </p:nvSpPr>
+        <p:spPr/>
+        <p:txBody>
+          <a:bodyPr/>
+          <a:lstStyle/>
+          <a:p>
+            <a:endParaRPr lang="ko-KR" altLang="en-US"/>
+          </a:p>
+        </p:txBody>
+      </p:sp>
+      <p:sp>
+        <p:nvSpPr>
+          <p:cNvPr id="5" name="텍스트 개체 틀 4">
+            <a:extLst>
+              <a:ext uri="{FF2B5EF4-FFF2-40B4-BE49-F238E27FC236}">
+                <a16:creationId xmlns:a16="http://schemas.microsoft.com/office/drawing/2014/main" id="{E7FBAB51-7098-4A3F-88F9-17C67A17C6C5}"/>
+              </a:ext>
+            </a:extLst>
+          </p:cNvPr>
+          <p:cNvSpPr>
+            <a:spLocks noGrp="1"/>
+          </p:cNvSpPr>
+          <p:nvPr>
+            <p:ph type="body" sz="quarter" idx="15"/>
+          </p:nvPr>
+        </p:nvSpPr>
+        <p:spPr/>
+        <p:txBody>
+          <a:bodyPr/>
+          <a:lstStyle/>
+          <a:p>
+            <a:endParaRPr lang="ko-KR" altLang="en-US"/>
+          </a:p>
+        </p:txBody>
+      </p:sp>
+      <p:sp>
+        <p:nvSpPr>
+          <p:cNvPr id="6" name="텍스트 개체 틀 5">
+            <a:extLst>
+              <a:ext uri="{FF2B5EF4-FFF2-40B4-BE49-F238E27FC236}">
+                <a16:creationId xmlns:a16="http://schemas.microsoft.com/office/drawing/2014/main" id="{6D61005F-AF0E-4341-AA49-D4F771136CC6}"/>
+              </a:ext>
+            </a:extLst>
+          </p:cNvPr>
+          <p:cNvSpPr>
+            <a:spLocks noGrp="1"/>
+          </p:cNvSpPr>
+          <p:nvPr>
+            <p:ph type="body" sz="quarter" idx="16"/>
+          </p:nvPr>
+        </p:nvSpPr>
+        <p:spPr/>
+        <p:txBody>
+          <a:bodyPr/>
+          <a:lstStyle/>
+          <a:p>
+            <a:endParaRPr lang="ko-KR" altLang="en-US"/>
+          </a:p>
+        </p:txBody>
+      </p:sp>
+    </p:spTree>
+    <p:extLst>
+      <p:ext uri="{BB962C8B-B14F-4D97-AF65-F5344CB8AC3E}">
+        <p14:creationId xmlns:p14="http://schemas.microsoft.com/office/powerpoint/2010/main" val="3388797982"/>
+      </p:ext>
+    </p:extLst>
+  </p:cSld>
+  <p:clrMapOvr>
+    <a:masterClrMapping/>
+  </p:clrMapOvr>
+</p:sld>
+</file>
+
 <file path=ppt/theme/theme1.xml><?xml version="1.0" encoding="utf-8"?>
 <a:theme xmlns:a="http://schemas.openxmlformats.org/drawingml/2006/main" name="업무의 잔머리v4">
   <a:themeElements>
